--- a/Parte_02/Painel-Inspiracional-Rogerio.pptx
+++ b/Parte_02/Painel-Inspiracional-Rogerio.pptx
@@ -106,7 +106,7 @@
   </p:defaultTextStyle>
   <p:extLst>
     <p:ext uri="{EFAFB233-063F-42B5-8137-9DF3F51BA10A}">
-      <p15:sldGuideLst xmlns:p15="http://schemas.microsoft.com/office/powerpoint/2012/main" xmlns=""/>
+      <p15:sldGuideLst xmlns="" xmlns:p15="http://schemas.microsoft.com/office/powerpoint/2012/main"/>
     </p:ext>
   </p:extLst>
 </p:presentation>
@@ -134,7 +134,7 @@
           <p:cNvPr id="2" name="Título 1">
             <a:extLst>
               <a:ext uri="{FF2B5EF4-FFF2-40B4-BE49-F238E27FC236}">
-                <a16:creationId xmlns:a16="http://schemas.microsoft.com/office/drawing/2014/main" xmlns="" id="{0D83DA74-A42B-4C42-BD14-2BB1FC57FB85}"/>
+                <a16:creationId xmlns="" xmlns:a16="http://schemas.microsoft.com/office/drawing/2014/main" id="{0D83DA74-A42B-4C42-BD14-2BB1FC57FB85}"/>
               </a:ext>
             </a:extLst>
           </p:cNvPr>
@@ -171,7 +171,7 @@
           <p:cNvPr id="3" name="Subtítulo 2">
             <a:extLst>
               <a:ext uri="{FF2B5EF4-FFF2-40B4-BE49-F238E27FC236}">
-                <a16:creationId xmlns:a16="http://schemas.microsoft.com/office/drawing/2014/main" xmlns="" id="{504F686E-FBD2-4B9B-93F2-31AD75A815EF}"/>
+                <a16:creationId xmlns="" xmlns:a16="http://schemas.microsoft.com/office/drawing/2014/main" id="{504F686E-FBD2-4B9B-93F2-31AD75A815EF}"/>
               </a:ext>
             </a:extLst>
           </p:cNvPr>
@@ -241,7 +241,7 @@
           <p:cNvPr id="4" name="Espaço Reservado para Data 3">
             <a:extLst>
               <a:ext uri="{FF2B5EF4-FFF2-40B4-BE49-F238E27FC236}">
-                <a16:creationId xmlns:a16="http://schemas.microsoft.com/office/drawing/2014/main" xmlns="" id="{91558B92-FDFA-4411-86F0-318D729326CC}"/>
+                <a16:creationId xmlns="" xmlns:a16="http://schemas.microsoft.com/office/drawing/2014/main" id="{91558B92-FDFA-4411-86F0-318D729326CC}"/>
               </a:ext>
             </a:extLst>
           </p:cNvPr>
@@ -259,7 +259,7 @@
           <a:p>
             <a:fld id="{2039C8BC-15E3-4E4E-8910-660B9BF46FD4}" type="datetimeFigureOut">
               <a:rPr lang="pt-BR" smtClean="0"/>
-              <a:t>06/05/2018</a:t>
+              <a:t>07/05/2018</a:t>
             </a:fld>
             <a:endParaRPr lang="pt-BR"/>
           </a:p>
@@ -270,7 +270,7 @@
           <p:cNvPr id="5" name="Espaço Reservado para Rodapé 4">
             <a:extLst>
               <a:ext uri="{FF2B5EF4-FFF2-40B4-BE49-F238E27FC236}">
-                <a16:creationId xmlns:a16="http://schemas.microsoft.com/office/drawing/2014/main" xmlns="" id="{16EEE183-A2F7-4CDF-AE97-852E8B58319D}"/>
+                <a16:creationId xmlns="" xmlns:a16="http://schemas.microsoft.com/office/drawing/2014/main" id="{16EEE183-A2F7-4CDF-AE97-852E8B58319D}"/>
               </a:ext>
             </a:extLst>
           </p:cNvPr>
@@ -295,7 +295,7 @@
           <p:cNvPr id="6" name="Espaço Reservado para Número de Slide 5">
             <a:extLst>
               <a:ext uri="{FF2B5EF4-FFF2-40B4-BE49-F238E27FC236}">
-                <a16:creationId xmlns:a16="http://schemas.microsoft.com/office/drawing/2014/main" xmlns="" id="{C4EB5769-FBAE-4F6C-AD5C-A09755D1FF74}"/>
+                <a16:creationId xmlns="" xmlns:a16="http://schemas.microsoft.com/office/drawing/2014/main" id="{C4EB5769-FBAE-4F6C-AD5C-A09755D1FF74}"/>
               </a:ext>
             </a:extLst>
           </p:cNvPr>
@@ -354,7 +354,7 @@
           <p:cNvPr id="2" name="Título 1">
             <a:extLst>
               <a:ext uri="{FF2B5EF4-FFF2-40B4-BE49-F238E27FC236}">
-                <a16:creationId xmlns:a16="http://schemas.microsoft.com/office/drawing/2014/main" xmlns="" id="{E3DD8AEB-970B-4F4B-9863-E2718819E97B}"/>
+                <a16:creationId xmlns="" xmlns:a16="http://schemas.microsoft.com/office/drawing/2014/main" id="{E3DD8AEB-970B-4F4B-9863-E2718819E97B}"/>
               </a:ext>
             </a:extLst>
           </p:cNvPr>
@@ -382,7 +382,7 @@
           <p:cNvPr id="3" name="Espaço Reservado para Texto Vertical 2">
             <a:extLst>
               <a:ext uri="{FF2B5EF4-FFF2-40B4-BE49-F238E27FC236}">
-                <a16:creationId xmlns:a16="http://schemas.microsoft.com/office/drawing/2014/main" xmlns="" id="{35C50C41-3ACD-493C-BE0F-9B48D3715AC0}"/>
+                <a16:creationId xmlns="" xmlns:a16="http://schemas.microsoft.com/office/drawing/2014/main" id="{35C50C41-3ACD-493C-BE0F-9B48D3715AC0}"/>
               </a:ext>
             </a:extLst>
           </p:cNvPr>
@@ -439,7 +439,7 @@
           <p:cNvPr id="4" name="Espaço Reservado para Data 3">
             <a:extLst>
               <a:ext uri="{FF2B5EF4-FFF2-40B4-BE49-F238E27FC236}">
-                <a16:creationId xmlns:a16="http://schemas.microsoft.com/office/drawing/2014/main" xmlns="" id="{1DC9BC22-04AE-468B-9BF1-F7BA45060836}"/>
+                <a16:creationId xmlns="" xmlns:a16="http://schemas.microsoft.com/office/drawing/2014/main" id="{1DC9BC22-04AE-468B-9BF1-F7BA45060836}"/>
               </a:ext>
             </a:extLst>
           </p:cNvPr>
@@ -457,7 +457,7 @@
           <a:p>
             <a:fld id="{2039C8BC-15E3-4E4E-8910-660B9BF46FD4}" type="datetimeFigureOut">
               <a:rPr lang="pt-BR" smtClean="0"/>
-              <a:t>06/05/2018</a:t>
+              <a:t>07/05/2018</a:t>
             </a:fld>
             <a:endParaRPr lang="pt-BR"/>
           </a:p>
@@ -468,7 +468,7 @@
           <p:cNvPr id="5" name="Espaço Reservado para Rodapé 4">
             <a:extLst>
               <a:ext uri="{FF2B5EF4-FFF2-40B4-BE49-F238E27FC236}">
-                <a16:creationId xmlns:a16="http://schemas.microsoft.com/office/drawing/2014/main" xmlns="" id="{82716B46-8626-4AF1-9423-231F4E3CF648}"/>
+                <a16:creationId xmlns="" xmlns:a16="http://schemas.microsoft.com/office/drawing/2014/main" id="{82716B46-8626-4AF1-9423-231F4E3CF648}"/>
               </a:ext>
             </a:extLst>
           </p:cNvPr>
@@ -493,7 +493,7 @@
           <p:cNvPr id="6" name="Espaço Reservado para Número de Slide 5">
             <a:extLst>
               <a:ext uri="{FF2B5EF4-FFF2-40B4-BE49-F238E27FC236}">
-                <a16:creationId xmlns:a16="http://schemas.microsoft.com/office/drawing/2014/main" xmlns="" id="{520BAEFA-1BA4-4CFE-AA89-778E8B0F8048}"/>
+                <a16:creationId xmlns="" xmlns:a16="http://schemas.microsoft.com/office/drawing/2014/main" id="{520BAEFA-1BA4-4CFE-AA89-778E8B0F8048}"/>
               </a:ext>
             </a:extLst>
           </p:cNvPr>
@@ -552,7 +552,7 @@
           <p:cNvPr id="2" name="Título Vertical 1">
             <a:extLst>
               <a:ext uri="{FF2B5EF4-FFF2-40B4-BE49-F238E27FC236}">
-                <a16:creationId xmlns:a16="http://schemas.microsoft.com/office/drawing/2014/main" xmlns="" id="{8C11E733-2BAF-43B2-818A-92CDDA39987C}"/>
+                <a16:creationId xmlns="" xmlns:a16="http://schemas.microsoft.com/office/drawing/2014/main" id="{8C11E733-2BAF-43B2-818A-92CDDA39987C}"/>
               </a:ext>
             </a:extLst>
           </p:cNvPr>
@@ -585,7 +585,7 @@
           <p:cNvPr id="3" name="Espaço Reservado para Texto Vertical 2">
             <a:extLst>
               <a:ext uri="{FF2B5EF4-FFF2-40B4-BE49-F238E27FC236}">
-                <a16:creationId xmlns:a16="http://schemas.microsoft.com/office/drawing/2014/main" xmlns="" id="{DA0388EF-2D72-4AA6-B146-4FCDC28A0878}"/>
+                <a16:creationId xmlns="" xmlns:a16="http://schemas.microsoft.com/office/drawing/2014/main" id="{DA0388EF-2D72-4AA6-B146-4FCDC28A0878}"/>
               </a:ext>
             </a:extLst>
           </p:cNvPr>
@@ -647,7 +647,7 @@
           <p:cNvPr id="4" name="Espaço Reservado para Data 3">
             <a:extLst>
               <a:ext uri="{FF2B5EF4-FFF2-40B4-BE49-F238E27FC236}">
-                <a16:creationId xmlns:a16="http://schemas.microsoft.com/office/drawing/2014/main" xmlns="" id="{C9462FF9-8A5D-4810-AF70-10745DBCBDF7}"/>
+                <a16:creationId xmlns="" xmlns:a16="http://schemas.microsoft.com/office/drawing/2014/main" id="{C9462FF9-8A5D-4810-AF70-10745DBCBDF7}"/>
               </a:ext>
             </a:extLst>
           </p:cNvPr>
@@ -665,7 +665,7 @@
           <a:p>
             <a:fld id="{2039C8BC-15E3-4E4E-8910-660B9BF46FD4}" type="datetimeFigureOut">
               <a:rPr lang="pt-BR" smtClean="0"/>
-              <a:t>06/05/2018</a:t>
+              <a:t>07/05/2018</a:t>
             </a:fld>
             <a:endParaRPr lang="pt-BR"/>
           </a:p>
@@ -676,7 +676,7 @@
           <p:cNvPr id="5" name="Espaço Reservado para Rodapé 4">
             <a:extLst>
               <a:ext uri="{FF2B5EF4-FFF2-40B4-BE49-F238E27FC236}">
-                <a16:creationId xmlns:a16="http://schemas.microsoft.com/office/drawing/2014/main" xmlns="" id="{E0CFB17C-E8FD-436A-B3C0-7D738B18A436}"/>
+                <a16:creationId xmlns="" xmlns:a16="http://schemas.microsoft.com/office/drawing/2014/main" id="{E0CFB17C-E8FD-436A-B3C0-7D738B18A436}"/>
               </a:ext>
             </a:extLst>
           </p:cNvPr>
@@ -701,7 +701,7 @@
           <p:cNvPr id="6" name="Espaço Reservado para Número de Slide 5">
             <a:extLst>
               <a:ext uri="{FF2B5EF4-FFF2-40B4-BE49-F238E27FC236}">
-                <a16:creationId xmlns:a16="http://schemas.microsoft.com/office/drawing/2014/main" xmlns="" id="{2A34A09B-C13F-44BA-91F1-662CB8C81F27}"/>
+                <a16:creationId xmlns="" xmlns:a16="http://schemas.microsoft.com/office/drawing/2014/main" id="{2A34A09B-C13F-44BA-91F1-662CB8C81F27}"/>
               </a:ext>
             </a:extLst>
           </p:cNvPr>
@@ -760,7 +760,7 @@
           <p:cNvPr id="2" name="Título 1">
             <a:extLst>
               <a:ext uri="{FF2B5EF4-FFF2-40B4-BE49-F238E27FC236}">
-                <a16:creationId xmlns:a16="http://schemas.microsoft.com/office/drawing/2014/main" xmlns="" id="{70730E1E-E230-420B-BA32-E489AB98F783}"/>
+                <a16:creationId xmlns="" xmlns:a16="http://schemas.microsoft.com/office/drawing/2014/main" id="{70730E1E-E230-420B-BA32-E489AB98F783}"/>
               </a:ext>
             </a:extLst>
           </p:cNvPr>
@@ -788,7 +788,7 @@
           <p:cNvPr id="3" name="Espaço Reservado para Conteúdo 2">
             <a:extLst>
               <a:ext uri="{FF2B5EF4-FFF2-40B4-BE49-F238E27FC236}">
-                <a16:creationId xmlns:a16="http://schemas.microsoft.com/office/drawing/2014/main" xmlns="" id="{EAAC87FE-20DE-46AE-9C9E-F8A6AEFE4F7A}"/>
+                <a16:creationId xmlns="" xmlns:a16="http://schemas.microsoft.com/office/drawing/2014/main" id="{EAAC87FE-20DE-46AE-9C9E-F8A6AEFE4F7A}"/>
               </a:ext>
             </a:extLst>
           </p:cNvPr>
@@ -845,7 +845,7 @@
           <p:cNvPr id="4" name="Espaço Reservado para Data 3">
             <a:extLst>
               <a:ext uri="{FF2B5EF4-FFF2-40B4-BE49-F238E27FC236}">
-                <a16:creationId xmlns:a16="http://schemas.microsoft.com/office/drawing/2014/main" xmlns="" id="{B640DB33-3DBE-4F8C-B8F9-A52BDD9DBC84}"/>
+                <a16:creationId xmlns="" xmlns:a16="http://schemas.microsoft.com/office/drawing/2014/main" id="{B640DB33-3DBE-4F8C-B8F9-A52BDD9DBC84}"/>
               </a:ext>
             </a:extLst>
           </p:cNvPr>
@@ -863,7 +863,7 @@
           <a:p>
             <a:fld id="{2039C8BC-15E3-4E4E-8910-660B9BF46FD4}" type="datetimeFigureOut">
               <a:rPr lang="pt-BR" smtClean="0"/>
-              <a:t>06/05/2018</a:t>
+              <a:t>07/05/2018</a:t>
             </a:fld>
             <a:endParaRPr lang="pt-BR"/>
           </a:p>
@@ -874,7 +874,7 @@
           <p:cNvPr id="5" name="Espaço Reservado para Rodapé 4">
             <a:extLst>
               <a:ext uri="{FF2B5EF4-FFF2-40B4-BE49-F238E27FC236}">
-                <a16:creationId xmlns:a16="http://schemas.microsoft.com/office/drawing/2014/main" xmlns="" id="{707F00D3-7BCC-45B1-AA05-CC38A25B3B84}"/>
+                <a16:creationId xmlns="" xmlns:a16="http://schemas.microsoft.com/office/drawing/2014/main" id="{707F00D3-7BCC-45B1-AA05-CC38A25B3B84}"/>
               </a:ext>
             </a:extLst>
           </p:cNvPr>
@@ -899,7 +899,7 @@
           <p:cNvPr id="6" name="Espaço Reservado para Número de Slide 5">
             <a:extLst>
               <a:ext uri="{FF2B5EF4-FFF2-40B4-BE49-F238E27FC236}">
-                <a16:creationId xmlns:a16="http://schemas.microsoft.com/office/drawing/2014/main" xmlns="" id="{840561C1-E713-4846-8994-0A20152B95BC}"/>
+                <a16:creationId xmlns="" xmlns:a16="http://schemas.microsoft.com/office/drawing/2014/main" id="{840561C1-E713-4846-8994-0A20152B95BC}"/>
               </a:ext>
             </a:extLst>
           </p:cNvPr>
@@ -958,7 +958,7 @@
           <p:cNvPr id="2" name="Título 1">
             <a:extLst>
               <a:ext uri="{FF2B5EF4-FFF2-40B4-BE49-F238E27FC236}">
-                <a16:creationId xmlns:a16="http://schemas.microsoft.com/office/drawing/2014/main" xmlns="" id="{8AF5B2FF-8703-43D2-9362-F50D73BD9A22}"/>
+                <a16:creationId xmlns="" xmlns:a16="http://schemas.microsoft.com/office/drawing/2014/main" id="{8AF5B2FF-8703-43D2-9362-F50D73BD9A22}"/>
               </a:ext>
             </a:extLst>
           </p:cNvPr>
@@ -995,7 +995,7 @@
           <p:cNvPr id="3" name="Espaço Reservado para Texto 2">
             <a:extLst>
               <a:ext uri="{FF2B5EF4-FFF2-40B4-BE49-F238E27FC236}">
-                <a16:creationId xmlns:a16="http://schemas.microsoft.com/office/drawing/2014/main" xmlns="" id="{FAEFA650-F36E-4597-AF74-0E9C36E8FD39}"/>
+                <a16:creationId xmlns="" xmlns:a16="http://schemas.microsoft.com/office/drawing/2014/main" id="{FAEFA650-F36E-4597-AF74-0E9C36E8FD39}"/>
               </a:ext>
             </a:extLst>
           </p:cNvPr>
@@ -1120,7 +1120,7 @@
           <p:cNvPr id="4" name="Espaço Reservado para Data 3">
             <a:extLst>
               <a:ext uri="{FF2B5EF4-FFF2-40B4-BE49-F238E27FC236}">
-                <a16:creationId xmlns:a16="http://schemas.microsoft.com/office/drawing/2014/main" xmlns="" id="{2DB3AFFB-F2E0-4200-976D-7FF21AD3B4F0}"/>
+                <a16:creationId xmlns="" xmlns:a16="http://schemas.microsoft.com/office/drawing/2014/main" id="{2DB3AFFB-F2E0-4200-976D-7FF21AD3B4F0}"/>
               </a:ext>
             </a:extLst>
           </p:cNvPr>
@@ -1138,7 +1138,7 @@
           <a:p>
             <a:fld id="{2039C8BC-15E3-4E4E-8910-660B9BF46FD4}" type="datetimeFigureOut">
               <a:rPr lang="pt-BR" smtClean="0"/>
-              <a:t>06/05/2018</a:t>
+              <a:t>07/05/2018</a:t>
             </a:fld>
             <a:endParaRPr lang="pt-BR"/>
           </a:p>
@@ -1149,7 +1149,7 @@
           <p:cNvPr id="5" name="Espaço Reservado para Rodapé 4">
             <a:extLst>
               <a:ext uri="{FF2B5EF4-FFF2-40B4-BE49-F238E27FC236}">
-                <a16:creationId xmlns:a16="http://schemas.microsoft.com/office/drawing/2014/main" xmlns="" id="{38205D75-CAFF-48AD-B147-E7880A5A1F0B}"/>
+                <a16:creationId xmlns="" xmlns:a16="http://schemas.microsoft.com/office/drawing/2014/main" id="{38205D75-CAFF-48AD-B147-E7880A5A1F0B}"/>
               </a:ext>
             </a:extLst>
           </p:cNvPr>
@@ -1174,7 +1174,7 @@
           <p:cNvPr id="6" name="Espaço Reservado para Número de Slide 5">
             <a:extLst>
               <a:ext uri="{FF2B5EF4-FFF2-40B4-BE49-F238E27FC236}">
-                <a16:creationId xmlns:a16="http://schemas.microsoft.com/office/drawing/2014/main" xmlns="" id="{2514CB20-88E8-45FC-BDAB-8CC81BFBBD19}"/>
+                <a16:creationId xmlns="" xmlns:a16="http://schemas.microsoft.com/office/drawing/2014/main" id="{2514CB20-88E8-45FC-BDAB-8CC81BFBBD19}"/>
               </a:ext>
             </a:extLst>
           </p:cNvPr>
@@ -1233,7 +1233,7 @@
           <p:cNvPr id="2" name="Título 1">
             <a:extLst>
               <a:ext uri="{FF2B5EF4-FFF2-40B4-BE49-F238E27FC236}">
-                <a16:creationId xmlns:a16="http://schemas.microsoft.com/office/drawing/2014/main" xmlns="" id="{55AED4F8-A448-4379-8E5C-73A5CCDA89F3}"/>
+                <a16:creationId xmlns="" xmlns:a16="http://schemas.microsoft.com/office/drawing/2014/main" id="{55AED4F8-A448-4379-8E5C-73A5CCDA89F3}"/>
               </a:ext>
             </a:extLst>
           </p:cNvPr>
@@ -1261,7 +1261,7 @@
           <p:cNvPr id="3" name="Espaço Reservado para Conteúdo 2">
             <a:extLst>
               <a:ext uri="{FF2B5EF4-FFF2-40B4-BE49-F238E27FC236}">
-                <a16:creationId xmlns:a16="http://schemas.microsoft.com/office/drawing/2014/main" xmlns="" id="{42BD000B-877D-4516-B574-FEE4EBA0FA11}"/>
+                <a16:creationId xmlns="" xmlns:a16="http://schemas.microsoft.com/office/drawing/2014/main" id="{42BD000B-877D-4516-B574-FEE4EBA0FA11}"/>
               </a:ext>
             </a:extLst>
           </p:cNvPr>
@@ -1323,7 +1323,7 @@
           <p:cNvPr id="4" name="Espaço Reservado para Conteúdo 3">
             <a:extLst>
               <a:ext uri="{FF2B5EF4-FFF2-40B4-BE49-F238E27FC236}">
-                <a16:creationId xmlns:a16="http://schemas.microsoft.com/office/drawing/2014/main" xmlns="" id="{3307E749-1EAE-407D-9F5E-731C8FCE8590}"/>
+                <a16:creationId xmlns="" xmlns:a16="http://schemas.microsoft.com/office/drawing/2014/main" id="{3307E749-1EAE-407D-9F5E-731C8FCE8590}"/>
               </a:ext>
             </a:extLst>
           </p:cNvPr>
@@ -1385,7 +1385,7 @@
           <p:cNvPr id="5" name="Espaço Reservado para Data 4">
             <a:extLst>
               <a:ext uri="{FF2B5EF4-FFF2-40B4-BE49-F238E27FC236}">
-                <a16:creationId xmlns:a16="http://schemas.microsoft.com/office/drawing/2014/main" xmlns="" id="{319783C5-0D3B-4317-B7E7-B6B3755C4708}"/>
+                <a16:creationId xmlns="" xmlns:a16="http://schemas.microsoft.com/office/drawing/2014/main" id="{319783C5-0D3B-4317-B7E7-B6B3755C4708}"/>
               </a:ext>
             </a:extLst>
           </p:cNvPr>
@@ -1403,7 +1403,7 @@
           <a:p>
             <a:fld id="{2039C8BC-15E3-4E4E-8910-660B9BF46FD4}" type="datetimeFigureOut">
               <a:rPr lang="pt-BR" smtClean="0"/>
-              <a:t>06/05/2018</a:t>
+              <a:t>07/05/2018</a:t>
             </a:fld>
             <a:endParaRPr lang="pt-BR"/>
           </a:p>
@@ -1414,7 +1414,7 @@
           <p:cNvPr id="6" name="Espaço Reservado para Rodapé 5">
             <a:extLst>
               <a:ext uri="{FF2B5EF4-FFF2-40B4-BE49-F238E27FC236}">
-                <a16:creationId xmlns:a16="http://schemas.microsoft.com/office/drawing/2014/main" xmlns="" id="{58A8F109-2F51-469B-82FD-214AD583BFBA}"/>
+                <a16:creationId xmlns="" xmlns:a16="http://schemas.microsoft.com/office/drawing/2014/main" id="{58A8F109-2F51-469B-82FD-214AD583BFBA}"/>
               </a:ext>
             </a:extLst>
           </p:cNvPr>
@@ -1439,7 +1439,7 @@
           <p:cNvPr id="7" name="Espaço Reservado para Número de Slide 6">
             <a:extLst>
               <a:ext uri="{FF2B5EF4-FFF2-40B4-BE49-F238E27FC236}">
-                <a16:creationId xmlns:a16="http://schemas.microsoft.com/office/drawing/2014/main" xmlns="" id="{12CFE5BD-9A73-4547-BAE1-3454E20235B6}"/>
+                <a16:creationId xmlns="" xmlns:a16="http://schemas.microsoft.com/office/drawing/2014/main" id="{12CFE5BD-9A73-4547-BAE1-3454E20235B6}"/>
               </a:ext>
             </a:extLst>
           </p:cNvPr>
@@ -1498,7 +1498,7 @@
           <p:cNvPr id="2" name="Título 1">
             <a:extLst>
               <a:ext uri="{FF2B5EF4-FFF2-40B4-BE49-F238E27FC236}">
-                <a16:creationId xmlns:a16="http://schemas.microsoft.com/office/drawing/2014/main" xmlns="" id="{C6B90965-4C5F-40A2-BF95-1329F90A7239}"/>
+                <a16:creationId xmlns="" xmlns:a16="http://schemas.microsoft.com/office/drawing/2014/main" id="{C6B90965-4C5F-40A2-BF95-1329F90A7239}"/>
               </a:ext>
             </a:extLst>
           </p:cNvPr>
@@ -1531,7 +1531,7 @@
           <p:cNvPr id="3" name="Espaço Reservado para Texto 2">
             <a:extLst>
               <a:ext uri="{FF2B5EF4-FFF2-40B4-BE49-F238E27FC236}">
-                <a16:creationId xmlns:a16="http://schemas.microsoft.com/office/drawing/2014/main" xmlns="" id="{B94C61D0-054F-4D0E-995E-7931FB5B5C16}"/>
+                <a16:creationId xmlns="" xmlns:a16="http://schemas.microsoft.com/office/drawing/2014/main" id="{B94C61D0-054F-4D0E-995E-7931FB5B5C16}"/>
               </a:ext>
             </a:extLst>
           </p:cNvPr>
@@ -1602,7 +1602,7 @@
           <p:cNvPr id="4" name="Espaço Reservado para Conteúdo 3">
             <a:extLst>
               <a:ext uri="{FF2B5EF4-FFF2-40B4-BE49-F238E27FC236}">
-                <a16:creationId xmlns:a16="http://schemas.microsoft.com/office/drawing/2014/main" xmlns="" id="{4D0D74C4-0F9D-49FF-95E1-EEBF2D67C8B7}"/>
+                <a16:creationId xmlns="" xmlns:a16="http://schemas.microsoft.com/office/drawing/2014/main" id="{4D0D74C4-0F9D-49FF-95E1-EEBF2D67C8B7}"/>
               </a:ext>
             </a:extLst>
           </p:cNvPr>
@@ -1664,7 +1664,7 @@
           <p:cNvPr id="5" name="Espaço Reservado para Texto 4">
             <a:extLst>
               <a:ext uri="{FF2B5EF4-FFF2-40B4-BE49-F238E27FC236}">
-                <a16:creationId xmlns:a16="http://schemas.microsoft.com/office/drawing/2014/main" xmlns="" id="{344105DB-EB4A-4BFE-B960-A1D3FB8362B2}"/>
+                <a16:creationId xmlns="" xmlns:a16="http://schemas.microsoft.com/office/drawing/2014/main" id="{344105DB-EB4A-4BFE-B960-A1D3FB8362B2}"/>
               </a:ext>
             </a:extLst>
           </p:cNvPr>
@@ -1735,7 +1735,7 @@
           <p:cNvPr id="6" name="Espaço Reservado para Conteúdo 5">
             <a:extLst>
               <a:ext uri="{FF2B5EF4-FFF2-40B4-BE49-F238E27FC236}">
-                <a16:creationId xmlns:a16="http://schemas.microsoft.com/office/drawing/2014/main" xmlns="" id="{1144E4A6-E585-4524-BE84-9EFFB08CAFD4}"/>
+                <a16:creationId xmlns="" xmlns:a16="http://schemas.microsoft.com/office/drawing/2014/main" id="{1144E4A6-E585-4524-BE84-9EFFB08CAFD4}"/>
               </a:ext>
             </a:extLst>
           </p:cNvPr>
@@ -1797,7 +1797,7 @@
           <p:cNvPr id="7" name="Espaço Reservado para Data 6">
             <a:extLst>
               <a:ext uri="{FF2B5EF4-FFF2-40B4-BE49-F238E27FC236}">
-                <a16:creationId xmlns:a16="http://schemas.microsoft.com/office/drawing/2014/main" xmlns="" id="{B97D942C-C344-4DDB-AC2B-A276D1979460}"/>
+                <a16:creationId xmlns="" xmlns:a16="http://schemas.microsoft.com/office/drawing/2014/main" id="{B97D942C-C344-4DDB-AC2B-A276D1979460}"/>
               </a:ext>
             </a:extLst>
           </p:cNvPr>
@@ -1815,7 +1815,7 @@
           <a:p>
             <a:fld id="{2039C8BC-15E3-4E4E-8910-660B9BF46FD4}" type="datetimeFigureOut">
               <a:rPr lang="pt-BR" smtClean="0"/>
-              <a:t>06/05/2018</a:t>
+              <a:t>07/05/2018</a:t>
             </a:fld>
             <a:endParaRPr lang="pt-BR"/>
           </a:p>
@@ -1826,7 +1826,7 @@
           <p:cNvPr id="8" name="Espaço Reservado para Rodapé 7">
             <a:extLst>
               <a:ext uri="{FF2B5EF4-FFF2-40B4-BE49-F238E27FC236}">
-                <a16:creationId xmlns:a16="http://schemas.microsoft.com/office/drawing/2014/main" xmlns="" id="{051F8E87-C7FA-410A-8BDB-B8661FE7FEF8}"/>
+                <a16:creationId xmlns="" xmlns:a16="http://schemas.microsoft.com/office/drawing/2014/main" id="{051F8E87-C7FA-410A-8BDB-B8661FE7FEF8}"/>
               </a:ext>
             </a:extLst>
           </p:cNvPr>
@@ -1851,7 +1851,7 @@
           <p:cNvPr id="9" name="Espaço Reservado para Número de Slide 8">
             <a:extLst>
               <a:ext uri="{FF2B5EF4-FFF2-40B4-BE49-F238E27FC236}">
-                <a16:creationId xmlns:a16="http://schemas.microsoft.com/office/drawing/2014/main" xmlns="" id="{37EDDF90-04B5-4864-B0CE-8BB78F6C5A80}"/>
+                <a16:creationId xmlns="" xmlns:a16="http://schemas.microsoft.com/office/drawing/2014/main" id="{37EDDF90-04B5-4864-B0CE-8BB78F6C5A80}"/>
               </a:ext>
             </a:extLst>
           </p:cNvPr>
@@ -1910,7 +1910,7 @@
           <p:cNvPr id="2" name="Título 1">
             <a:extLst>
               <a:ext uri="{FF2B5EF4-FFF2-40B4-BE49-F238E27FC236}">
-                <a16:creationId xmlns:a16="http://schemas.microsoft.com/office/drawing/2014/main" xmlns="" id="{9A872089-40B7-4D8B-9F84-665CB91090C8}"/>
+                <a16:creationId xmlns="" xmlns:a16="http://schemas.microsoft.com/office/drawing/2014/main" id="{9A872089-40B7-4D8B-9F84-665CB91090C8}"/>
               </a:ext>
             </a:extLst>
           </p:cNvPr>
@@ -1938,7 +1938,7 @@
           <p:cNvPr id="3" name="Espaço Reservado para Data 2">
             <a:extLst>
               <a:ext uri="{FF2B5EF4-FFF2-40B4-BE49-F238E27FC236}">
-                <a16:creationId xmlns:a16="http://schemas.microsoft.com/office/drawing/2014/main" xmlns="" id="{9D5AF7E9-E716-46A6-9DED-6ABA3AE613D9}"/>
+                <a16:creationId xmlns="" xmlns:a16="http://schemas.microsoft.com/office/drawing/2014/main" id="{9D5AF7E9-E716-46A6-9DED-6ABA3AE613D9}"/>
               </a:ext>
             </a:extLst>
           </p:cNvPr>
@@ -1956,7 +1956,7 @@
           <a:p>
             <a:fld id="{2039C8BC-15E3-4E4E-8910-660B9BF46FD4}" type="datetimeFigureOut">
               <a:rPr lang="pt-BR" smtClean="0"/>
-              <a:t>06/05/2018</a:t>
+              <a:t>07/05/2018</a:t>
             </a:fld>
             <a:endParaRPr lang="pt-BR"/>
           </a:p>
@@ -1967,7 +1967,7 @@
           <p:cNvPr id="4" name="Espaço Reservado para Rodapé 3">
             <a:extLst>
               <a:ext uri="{FF2B5EF4-FFF2-40B4-BE49-F238E27FC236}">
-                <a16:creationId xmlns:a16="http://schemas.microsoft.com/office/drawing/2014/main" xmlns="" id="{19520C25-3135-4E65-B724-8BE518F698A2}"/>
+                <a16:creationId xmlns="" xmlns:a16="http://schemas.microsoft.com/office/drawing/2014/main" id="{19520C25-3135-4E65-B724-8BE518F698A2}"/>
               </a:ext>
             </a:extLst>
           </p:cNvPr>
@@ -1992,7 +1992,7 @@
           <p:cNvPr id="5" name="Espaço Reservado para Número de Slide 4">
             <a:extLst>
               <a:ext uri="{FF2B5EF4-FFF2-40B4-BE49-F238E27FC236}">
-                <a16:creationId xmlns:a16="http://schemas.microsoft.com/office/drawing/2014/main" xmlns="" id="{2A75AA23-7644-4194-9D54-A4560F64097F}"/>
+                <a16:creationId xmlns="" xmlns:a16="http://schemas.microsoft.com/office/drawing/2014/main" id="{2A75AA23-7644-4194-9D54-A4560F64097F}"/>
               </a:ext>
             </a:extLst>
           </p:cNvPr>
@@ -2051,7 +2051,7 @@
           <p:cNvPr id="2" name="Espaço Reservado para Data 1">
             <a:extLst>
               <a:ext uri="{FF2B5EF4-FFF2-40B4-BE49-F238E27FC236}">
-                <a16:creationId xmlns:a16="http://schemas.microsoft.com/office/drawing/2014/main" xmlns="" id="{361724F8-4976-4217-8D05-96641A4A5204}"/>
+                <a16:creationId xmlns="" xmlns:a16="http://schemas.microsoft.com/office/drawing/2014/main" id="{361724F8-4976-4217-8D05-96641A4A5204}"/>
               </a:ext>
             </a:extLst>
           </p:cNvPr>
@@ -2069,7 +2069,7 @@
           <a:p>
             <a:fld id="{2039C8BC-15E3-4E4E-8910-660B9BF46FD4}" type="datetimeFigureOut">
               <a:rPr lang="pt-BR" smtClean="0"/>
-              <a:t>06/05/2018</a:t>
+              <a:t>07/05/2018</a:t>
             </a:fld>
             <a:endParaRPr lang="pt-BR"/>
           </a:p>
@@ -2080,7 +2080,7 @@
           <p:cNvPr id="3" name="Espaço Reservado para Rodapé 2">
             <a:extLst>
               <a:ext uri="{FF2B5EF4-FFF2-40B4-BE49-F238E27FC236}">
-                <a16:creationId xmlns:a16="http://schemas.microsoft.com/office/drawing/2014/main" xmlns="" id="{0C4C7C4A-3459-4EB7-A3B0-D36EE9817BC6}"/>
+                <a16:creationId xmlns="" xmlns:a16="http://schemas.microsoft.com/office/drawing/2014/main" id="{0C4C7C4A-3459-4EB7-A3B0-D36EE9817BC6}"/>
               </a:ext>
             </a:extLst>
           </p:cNvPr>
@@ -2105,7 +2105,7 @@
           <p:cNvPr id="4" name="Espaço Reservado para Número de Slide 3">
             <a:extLst>
               <a:ext uri="{FF2B5EF4-FFF2-40B4-BE49-F238E27FC236}">
-                <a16:creationId xmlns:a16="http://schemas.microsoft.com/office/drawing/2014/main" xmlns="" id="{D8362F25-4A84-4D28-9D27-E6E1A9485AEB}"/>
+                <a16:creationId xmlns="" xmlns:a16="http://schemas.microsoft.com/office/drawing/2014/main" id="{D8362F25-4A84-4D28-9D27-E6E1A9485AEB}"/>
               </a:ext>
             </a:extLst>
           </p:cNvPr>
@@ -2164,7 +2164,7 @@
           <p:cNvPr id="2" name="Título 1">
             <a:extLst>
               <a:ext uri="{FF2B5EF4-FFF2-40B4-BE49-F238E27FC236}">
-                <a16:creationId xmlns:a16="http://schemas.microsoft.com/office/drawing/2014/main" xmlns="" id="{AFE91E40-0AEC-4272-ACCB-6DA124527D31}"/>
+                <a16:creationId xmlns="" xmlns:a16="http://schemas.microsoft.com/office/drawing/2014/main" id="{AFE91E40-0AEC-4272-ACCB-6DA124527D31}"/>
               </a:ext>
             </a:extLst>
           </p:cNvPr>
@@ -2201,7 +2201,7 @@
           <p:cNvPr id="3" name="Espaço Reservado para Conteúdo 2">
             <a:extLst>
               <a:ext uri="{FF2B5EF4-FFF2-40B4-BE49-F238E27FC236}">
-                <a16:creationId xmlns:a16="http://schemas.microsoft.com/office/drawing/2014/main" xmlns="" id="{BCE2AB49-94C0-4A6A-8974-59AE9B9BEBB1}"/>
+                <a16:creationId xmlns="" xmlns:a16="http://schemas.microsoft.com/office/drawing/2014/main" id="{BCE2AB49-94C0-4A6A-8974-59AE9B9BEBB1}"/>
               </a:ext>
             </a:extLst>
           </p:cNvPr>
@@ -2291,7 +2291,7 @@
           <p:cNvPr id="4" name="Espaço Reservado para Texto 3">
             <a:extLst>
               <a:ext uri="{FF2B5EF4-FFF2-40B4-BE49-F238E27FC236}">
-                <a16:creationId xmlns:a16="http://schemas.microsoft.com/office/drawing/2014/main" xmlns="" id="{47C74A5F-39F0-484F-8182-78A9169B73DD}"/>
+                <a16:creationId xmlns="" xmlns:a16="http://schemas.microsoft.com/office/drawing/2014/main" id="{47C74A5F-39F0-484F-8182-78A9169B73DD}"/>
               </a:ext>
             </a:extLst>
           </p:cNvPr>
@@ -2362,7 +2362,7 @@
           <p:cNvPr id="5" name="Espaço Reservado para Data 4">
             <a:extLst>
               <a:ext uri="{FF2B5EF4-FFF2-40B4-BE49-F238E27FC236}">
-                <a16:creationId xmlns:a16="http://schemas.microsoft.com/office/drawing/2014/main" xmlns="" id="{5D2EB1AB-F6FC-4147-8DF8-AD010273DAF8}"/>
+                <a16:creationId xmlns="" xmlns:a16="http://schemas.microsoft.com/office/drawing/2014/main" id="{5D2EB1AB-F6FC-4147-8DF8-AD010273DAF8}"/>
               </a:ext>
             </a:extLst>
           </p:cNvPr>
@@ -2380,7 +2380,7 @@
           <a:p>
             <a:fld id="{2039C8BC-15E3-4E4E-8910-660B9BF46FD4}" type="datetimeFigureOut">
               <a:rPr lang="pt-BR" smtClean="0"/>
-              <a:t>06/05/2018</a:t>
+              <a:t>07/05/2018</a:t>
             </a:fld>
             <a:endParaRPr lang="pt-BR"/>
           </a:p>
@@ -2391,7 +2391,7 @@
           <p:cNvPr id="6" name="Espaço Reservado para Rodapé 5">
             <a:extLst>
               <a:ext uri="{FF2B5EF4-FFF2-40B4-BE49-F238E27FC236}">
-                <a16:creationId xmlns:a16="http://schemas.microsoft.com/office/drawing/2014/main" xmlns="" id="{9F5785ED-31B3-45C7-9DA6-AAC46E2459B2}"/>
+                <a16:creationId xmlns="" xmlns:a16="http://schemas.microsoft.com/office/drawing/2014/main" id="{9F5785ED-31B3-45C7-9DA6-AAC46E2459B2}"/>
               </a:ext>
             </a:extLst>
           </p:cNvPr>
@@ -2416,7 +2416,7 @@
           <p:cNvPr id="7" name="Espaço Reservado para Número de Slide 6">
             <a:extLst>
               <a:ext uri="{FF2B5EF4-FFF2-40B4-BE49-F238E27FC236}">
-                <a16:creationId xmlns:a16="http://schemas.microsoft.com/office/drawing/2014/main" xmlns="" id="{4423E022-4A78-466B-9E8F-B1B34671CE60}"/>
+                <a16:creationId xmlns="" xmlns:a16="http://schemas.microsoft.com/office/drawing/2014/main" id="{4423E022-4A78-466B-9E8F-B1B34671CE60}"/>
               </a:ext>
             </a:extLst>
           </p:cNvPr>
@@ -2475,7 +2475,7 @@
           <p:cNvPr id="2" name="Título 1">
             <a:extLst>
               <a:ext uri="{FF2B5EF4-FFF2-40B4-BE49-F238E27FC236}">
-                <a16:creationId xmlns:a16="http://schemas.microsoft.com/office/drawing/2014/main" xmlns="" id="{2224DCBB-5E95-4D02-BDD8-BF3C17853B11}"/>
+                <a16:creationId xmlns="" xmlns:a16="http://schemas.microsoft.com/office/drawing/2014/main" id="{2224DCBB-5E95-4D02-BDD8-BF3C17853B11}"/>
               </a:ext>
             </a:extLst>
           </p:cNvPr>
@@ -2512,7 +2512,7 @@
           <p:cNvPr id="3" name="Espaço Reservado para Imagem 2">
             <a:extLst>
               <a:ext uri="{FF2B5EF4-FFF2-40B4-BE49-F238E27FC236}">
-                <a16:creationId xmlns:a16="http://schemas.microsoft.com/office/drawing/2014/main" xmlns="" id="{83775F54-5A44-4E3B-8521-3D4B58A01B58}"/>
+                <a16:creationId xmlns="" xmlns:a16="http://schemas.microsoft.com/office/drawing/2014/main" id="{83775F54-5A44-4E3B-8521-3D4B58A01B58}"/>
               </a:ext>
             </a:extLst>
           </p:cNvPr>
@@ -2579,7 +2579,7 @@
           <p:cNvPr id="4" name="Espaço Reservado para Texto 3">
             <a:extLst>
               <a:ext uri="{FF2B5EF4-FFF2-40B4-BE49-F238E27FC236}">
-                <a16:creationId xmlns:a16="http://schemas.microsoft.com/office/drawing/2014/main" xmlns="" id="{4E55082E-D5E8-4E04-9F33-A0BBC56C0DA7}"/>
+                <a16:creationId xmlns="" xmlns:a16="http://schemas.microsoft.com/office/drawing/2014/main" id="{4E55082E-D5E8-4E04-9F33-A0BBC56C0DA7}"/>
               </a:ext>
             </a:extLst>
           </p:cNvPr>
@@ -2650,7 +2650,7 @@
           <p:cNvPr id="5" name="Espaço Reservado para Data 4">
             <a:extLst>
               <a:ext uri="{FF2B5EF4-FFF2-40B4-BE49-F238E27FC236}">
-                <a16:creationId xmlns:a16="http://schemas.microsoft.com/office/drawing/2014/main" xmlns="" id="{08EC9EE7-EFAE-411E-AAA2-E1A1F372FC0F}"/>
+                <a16:creationId xmlns="" xmlns:a16="http://schemas.microsoft.com/office/drawing/2014/main" id="{08EC9EE7-EFAE-411E-AAA2-E1A1F372FC0F}"/>
               </a:ext>
             </a:extLst>
           </p:cNvPr>
@@ -2668,7 +2668,7 @@
           <a:p>
             <a:fld id="{2039C8BC-15E3-4E4E-8910-660B9BF46FD4}" type="datetimeFigureOut">
               <a:rPr lang="pt-BR" smtClean="0"/>
-              <a:t>06/05/2018</a:t>
+              <a:t>07/05/2018</a:t>
             </a:fld>
             <a:endParaRPr lang="pt-BR"/>
           </a:p>
@@ -2679,7 +2679,7 @@
           <p:cNvPr id="6" name="Espaço Reservado para Rodapé 5">
             <a:extLst>
               <a:ext uri="{FF2B5EF4-FFF2-40B4-BE49-F238E27FC236}">
-                <a16:creationId xmlns:a16="http://schemas.microsoft.com/office/drawing/2014/main" xmlns="" id="{3210DD08-C481-410F-9311-229BE1DE83EB}"/>
+                <a16:creationId xmlns="" xmlns:a16="http://schemas.microsoft.com/office/drawing/2014/main" id="{3210DD08-C481-410F-9311-229BE1DE83EB}"/>
               </a:ext>
             </a:extLst>
           </p:cNvPr>
@@ -2704,7 +2704,7 @@
           <p:cNvPr id="7" name="Espaço Reservado para Número de Slide 6">
             <a:extLst>
               <a:ext uri="{FF2B5EF4-FFF2-40B4-BE49-F238E27FC236}">
-                <a16:creationId xmlns:a16="http://schemas.microsoft.com/office/drawing/2014/main" xmlns="" id="{297452E6-44BE-499C-9D15-53310EF7C431}"/>
+                <a16:creationId xmlns="" xmlns:a16="http://schemas.microsoft.com/office/drawing/2014/main" id="{297452E6-44BE-499C-9D15-53310EF7C431}"/>
               </a:ext>
             </a:extLst>
           </p:cNvPr>
@@ -2768,7 +2768,7 @@
           <p:cNvPr id="2" name="Espaço Reservado para Título 1">
             <a:extLst>
               <a:ext uri="{FF2B5EF4-FFF2-40B4-BE49-F238E27FC236}">
-                <a16:creationId xmlns:a16="http://schemas.microsoft.com/office/drawing/2014/main" xmlns="" id="{8DE67114-090B-46D8-A5FD-04358CBDCCED}"/>
+                <a16:creationId xmlns="" xmlns:a16="http://schemas.microsoft.com/office/drawing/2014/main" id="{8DE67114-090B-46D8-A5FD-04358CBDCCED}"/>
               </a:ext>
             </a:extLst>
           </p:cNvPr>
@@ -2806,7 +2806,7 @@
           <p:cNvPr id="3" name="Espaço Reservado para Texto 2">
             <a:extLst>
               <a:ext uri="{FF2B5EF4-FFF2-40B4-BE49-F238E27FC236}">
-                <a16:creationId xmlns:a16="http://schemas.microsoft.com/office/drawing/2014/main" xmlns="" id="{ECF34BE9-1907-4C43-96DF-DABC894F4D47}"/>
+                <a16:creationId xmlns="" xmlns:a16="http://schemas.microsoft.com/office/drawing/2014/main" id="{ECF34BE9-1907-4C43-96DF-DABC894F4D47}"/>
               </a:ext>
             </a:extLst>
           </p:cNvPr>
@@ -2873,7 +2873,7 @@
           <p:cNvPr id="4" name="Espaço Reservado para Data 3">
             <a:extLst>
               <a:ext uri="{FF2B5EF4-FFF2-40B4-BE49-F238E27FC236}">
-                <a16:creationId xmlns:a16="http://schemas.microsoft.com/office/drawing/2014/main" xmlns="" id="{DCC4DBC1-7E90-43F0-8235-B804757B66E7}"/>
+                <a16:creationId xmlns="" xmlns:a16="http://schemas.microsoft.com/office/drawing/2014/main" id="{DCC4DBC1-7E90-43F0-8235-B804757B66E7}"/>
               </a:ext>
             </a:extLst>
           </p:cNvPr>
@@ -2909,7 +2909,7 @@
           <a:p>
             <a:fld id="{2039C8BC-15E3-4E4E-8910-660B9BF46FD4}" type="datetimeFigureOut">
               <a:rPr lang="pt-BR" smtClean="0"/>
-              <a:t>06/05/2018</a:t>
+              <a:t>07/05/2018</a:t>
             </a:fld>
             <a:endParaRPr lang="pt-BR"/>
           </a:p>
@@ -2920,7 +2920,7 @@
           <p:cNvPr id="5" name="Espaço Reservado para Rodapé 4">
             <a:extLst>
               <a:ext uri="{FF2B5EF4-FFF2-40B4-BE49-F238E27FC236}">
-                <a16:creationId xmlns:a16="http://schemas.microsoft.com/office/drawing/2014/main" xmlns="" id="{6550C10F-089E-4DFD-BA12-A15DDEBFFA75}"/>
+                <a16:creationId xmlns="" xmlns:a16="http://schemas.microsoft.com/office/drawing/2014/main" id="{6550C10F-089E-4DFD-BA12-A15DDEBFFA75}"/>
               </a:ext>
             </a:extLst>
           </p:cNvPr>
@@ -2963,7 +2963,7 @@
           <p:cNvPr id="6" name="Espaço Reservado para Número de Slide 5">
             <a:extLst>
               <a:ext uri="{FF2B5EF4-FFF2-40B4-BE49-F238E27FC236}">
-                <a16:creationId xmlns:a16="http://schemas.microsoft.com/office/drawing/2014/main" xmlns="" id="{F7F15F3F-1A4D-45B2-8ECC-412AE794B981}"/>
+                <a16:creationId xmlns="" xmlns:a16="http://schemas.microsoft.com/office/drawing/2014/main" id="{F7F15F3F-1A4D-45B2-8ECC-412AE794B981}"/>
               </a:ext>
             </a:extLst>
           </p:cNvPr>
@@ -3331,7 +3331,7 @@
           <p:cNvPr id="9" name="Retângulo 8">
             <a:extLst>
               <a:ext uri="{FF2B5EF4-FFF2-40B4-BE49-F238E27FC236}">
-                <a16:creationId xmlns:a16="http://schemas.microsoft.com/office/drawing/2014/main" xmlns="" id="{AE64BFE4-FC10-4677-A476-CCCBC1D23729}"/>
+                <a16:creationId xmlns="" xmlns:a16="http://schemas.microsoft.com/office/drawing/2014/main" id="{AE64BFE4-FC10-4677-A476-CCCBC1D23729}"/>
               </a:ext>
             </a:extLst>
           </p:cNvPr>
@@ -3341,7 +3341,7 @@
         <p:spPr>
           <a:xfrm>
             <a:off x="0" y="0"/>
-            <a:ext cx="12198999" cy="6857671"/>
+            <a:ext cx="12198999" cy="6890327"/>
           </a:xfrm>
           <a:prstGeom prst="rect">
             <a:avLst/>
@@ -3383,7 +3383,7 @@
           <p:cNvPr id="10" name="CaixaDeTexto 9">
             <a:extLst>
               <a:ext uri="{FF2B5EF4-FFF2-40B4-BE49-F238E27FC236}">
-                <a16:creationId xmlns:a16="http://schemas.microsoft.com/office/drawing/2014/main" xmlns="" id="{05832CA5-BC1B-403A-9FDC-BBBDE70C0EB6}"/>
+                <a16:creationId xmlns="" xmlns:a16="http://schemas.microsoft.com/office/drawing/2014/main" id="{05832CA5-BC1B-403A-9FDC-BBBDE70C0EB6}"/>
               </a:ext>
             </a:extLst>
           </p:cNvPr>
@@ -3655,146 +3655,6 @@
           </a:p>
         </p:txBody>
       </p:sp>
-      <p:pic>
-        <p:nvPicPr>
-          <p:cNvPr id="27" name="Imagem 26"/>
-          <p:cNvPicPr/>
-          <p:nvPr/>
-        </p:nvPicPr>
-        <p:blipFill>
-          <a:blip r:embed="rId6">
-            <a:extLst>
-              <a:ext uri="{28A0092B-C50C-407E-A947-70E740481C1C}">
-                <a14:useLocalDpi xmlns:a14="http://schemas.microsoft.com/office/drawing/2010/main" val="0"/>
-              </a:ext>
-            </a:extLst>
-          </a:blip>
-          <a:stretch>
-            <a:fillRect/>
-          </a:stretch>
-        </p:blipFill>
-        <p:spPr>
-          <a:xfrm>
-            <a:off x="300134" y="4217437"/>
-            <a:ext cx="4829175" cy="2402686"/>
-          </a:xfrm>
-          <a:prstGeom prst="rect">
-            <a:avLst/>
-          </a:prstGeom>
-        </p:spPr>
-      </p:pic>
-      <p:sp>
-        <p:nvSpPr>
-          <p:cNvPr id="29" name="Canto dobrado 28"/>
-          <p:cNvSpPr/>
-          <p:nvPr/>
-        </p:nvSpPr>
-        <p:spPr>
-          <a:xfrm>
-            <a:off x="1576655" y="5486400"/>
-            <a:ext cx="2864716" cy="1371600"/>
-          </a:xfrm>
-          <a:prstGeom prst="foldedCorner">
-            <a:avLst/>
-          </a:prstGeom>
-          <a:solidFill>
-            <a:schemeClr val="accent4">
-              <a:lumMod val="40000"/>
-              <a:lumOff val="60000"/>
-            </a:schemeClr>
-          </a:solidFill>
-        </p:spPr>
-        <p:style>
-          <a:lnRef idx="2">
-            <a:schemeClr val="accent1">
-              <a:shade val="50000"/>
-            </a:schemeClr>
-          </a:lnRef>
-          <a:fillRef idx="1">
-            <a:schemeClr val="accent1"/>
-          </a:fillRef>
-          <a:effectRef idx="0">
-            <a:schemeClr val="accent1"/>
-          </a:effectRef>
-          <a:fontRef idx="minor">
-            <a:schemeClr val="lt1"/>
-          </a:fontRef>
-        </p:style>
-        <p:txBody>
-          <a:bodyPr rtlCol="0" anchor="ctr"/>
-          <a:lstStyle/>
-          <a:p>
-            <a:pPr algn="ctr"/>
-            <a:r>
-              <a:rPr lang="pt-BR" sz="3200" b="1" dirty="0" smtClean="0">
-                <a:solidFill>
-                  <a:schemeClr val="tx1"/>
-                </a:solidFill>
-              </a:rPr>
-              <a:t>Símbolos e Cores intuitivos</a:t>
-            </a:r>
-            <a:endParaRPr lang="pt-BR" sz="3200" b="1" dirty="0">
-              <a:solidFill>
-                <a:schemeClr val="tx1"/>
-              </a:solidFill>
-            </a:endParaRPr>
-          </a:p>
-        </p:txBody>
-      </p:sp>
-      <p:pic>
-        <p:nvPicPr>
-          <p:cNvPr id="1026" name="Picture 2"/>
-          <p:cNvPicPr>
-            <a:picLocks noChangeAspect="1" noChangeArrowheads="1"/>
-          </p:cNvPicPr>
-          <p:nvPr/>
-        </p:nvPicPr>
-        <p:blipFill>
-          <a:blip r:embed="rId7">
-            <a:extLst>
-              <a:ext uri="{28A0092B-C50C-407E-A947-70E740481C1C}">
-                <a14:useLocalDpi xmlns:a14="http://schemas.microsoft.com/office/drawing/2010/main" val="0"/>
-              </a:ext>
-            </a:extLst>
-          </a:blip>
-          <a:srcRect/>
-          <a:stretch>
-            <a:fillRect/>
-          </a:stretch>
-        </p:blipFill>
-        <p:spPr bwMode="auto">
-          <a:xfrm>
-            <a:off x="7744409" y="4366727"/>
-            <a:ext cx="4518666" cy="2467673"/>
-          </a:xfrm>
-          <a:prstGeom prst="rect">
-            <a:avLst/>
-          </a:prstGeom>
-          <a:noFill/>
-          <a:ln>
-            <a:noFill/>
-          </a:ln>
-          <a:extLst>
-            <a:ext uri="{909E8E84-426E-40DD-AFC4-6F175D3DCCD1}">
-              <a14:hiddenFill xmlns:a14="http://schemas.microsoft.com/office/drawing/2010/main">
-                <a:solidFill>
-                  <a:schemeClr val="accent1"/>
-                </a:solidFill>
-              </a14:hiddenFill>
-            </a:ext>
-            <a:ext uri="{91240B29-F687-4F45-9708-019B960494DF}">
-              <a14:hiddenLine xmlns:a14="http://schemas.microsoft.com/office/drawing/2010/main" w="9525">
-                <a:solidFill>
-                  <a:schemeClr val="tx1"/>
-                </a:solidFill>
-                <a:miter lim="800000"/>
-                <a:headEnd/>
-                <a:tailEnd/>
-              </a14:hiddenLine>
-            </a:ext>
-          </a:extLst>
-        </p:spPr>
-      </p:pic>
       <p:sp>
         <p:nvSpPr>
           <p:cNvPr id="31" name="Canto dobrado 30"/>
@@ -3853,6 +3713,88 @@
           </a:p>
         </p:txBody>
       </p:sp>
+      <p:pic>
+        <p:nvPicPr>
+          <p:cNvPr id="2" name="Picture 2" descr="C:\Users\Rogerio\Desktop\imagens\aHR0cDovL3d3dy5sYXB0b3BtYWcuY29tL2ltYWdlcy93cC9wdXJjaC1hcGkvaW5jb250ZW50LzIwMTUvMDcvV2luZG93czEwU25hcE11bHRpdGFzay5wbmc=.png"/>
+          <p:cNvPicPr>
+            <a:picLocks noChangeAspect="1" noChangeArrowheads="1"/>
+          </p:cNvPicPr>
+          <p:nvPr/>
+        </p:nvPicPr>
+        <p:blipFill>
+          <a:blip r:embed="rId6">
+            <a:extLst>
+              <a:ext uri="{28A0092B-C50C-407E-A947-70E740481C1C}">
+                <a14:useLocalDpi xmlns:a14="http://schemas.microsoft.com/office/drawing/2010/main" val="0"/>
+              </a:ext>
+            </a:extLst>
+          </a:blip>
+          <a:srcRect/>
+          <a:stretch>
+            <a:fillRect/>
+          </a:stretch>
+        </p:blipFill>
+        <p:spPr bwMode="auto">
+          <a:xfrm>
+            <a:off x="7905749" y="4093417"/>
+            <a:ext cx="4286250" cy="2413000"/>
+          </a:xfrm>
+          <a:prstGeom prst="rect">
+            <a:avLst/>
+          </a:prstGeom>
+          <a:noFill/>
+          <a:extLst>
+            <a:ext uri="{909E8E84-426E-40DD-AFC4-6F175D3DCCD1}">
+              <a14:hiddenFill xmlns:a14="http://schemas.microsoft.com/office/drawing/2010/main">
+                <a:solidFill>
+                  <a:srgbClr val="FFFFFF"/>
+                </a:solidFill>
+              </a14:hiddenFill>
+            </a:ext>
+          </a:extLst>
+        </p:spPr>
+      </p:pic>
+      <p:pic>
+        <p:nvPicPr>
+          <p:cNvPr id="1027" name="Picture 3" descr="C:\Users\Rogerio\Desktop\Black-Box-Testing-Invensis.jpg"/>
+          <p:cNvPicPr>
+            <a:picLocks noChangeAspect="1" noChangeArrowheads="1"/>
+          </p:cNvPicPr>
+          <p:nvPr/>
+        </p:nvPicPr>
+        <p:blipFill>
+          <a:blip r:embed="rId7">
+            <a:extLst>
+              <a:ext uri="{28A0092B-C50C-407E-A947-70E740481C1C}">
+                <a14:useLocalDpi xmlns:a14="http://schemas.microsoft.com/office/drawing/2010/main" val="0"/>
+              </a:ext>
+            </a:extLst>
+          </a:blip>
+          <a:srcRect/>
+          <a:stretch>
+            <a:fillRect/>
+          </a:stretch>
+        </p:blipFill>
+        <p:spPr bwMode="auto">
+          <a:xfrm>
+            <a:off x="165319" y="4217437"/>
+            <a:ext cx="4752975" cy="2288980"/>
+          </a:xfrm>
+          <a:prstGeom prst="rect">
+            <a:avLst/>
+          </a:prstGeom>
+          <a:noFill/>
+          <a:extLst>
+            <a:ext uri="{909E8E84-426E-40DD-AFC4-6F175D3DCCD1}">
+              <a14:hiddenFill xmlns:a14="http://schemas.microsoft.com/office/drawing/2010/main">
+                <a:solidFill>
+                  <a:srgbClr val="FFFFFF"/>
+                </a:solidFill>
+              </a14:hiddenFill>
+            </a:ext>
+          </a:extLst>
+        </p:spPr>
+      </p:pic>
       <p:sp>
         <p:nvSpPr>
           <p:cNvPr id="34" name="Canto dobrado 33"/>
@@ -3902,6 +3844,122 @@
                 </a:solidFill>
               </a:rPr>
               <a:t>Multitarefa</a:t>
+            </a:r>
+            <a:endParaRPr lang="pt-BR" sz="3200" b="1" dirty="0">
+              <a:solidFill>
+                <a:schemeClr val="tx1"/>
+              </a:solidFill>
+            </a:endParaRPr>
+          </a:p>
+        </p:txBody>
+      </p:sp>
+      <p:sp>
+        <p:nvSpPr>
+          <p:cNvPr id="29" name="Canto dobrado 28"/>
+          <p:cNvSpPr/>
+          <p:nvPr/>
+        </p:nvSpPr>
+        <p:spPr>
+          <a:xfrm>
+            <a:off x="4514878" y="3148917"/>
+            <a:ext cx="2864716" cy="1371600"/>
+          </a:xfrm>
+          <a:prstGeom prst="foldedCorner">
+            <a:avLst/>
+          </a:prstGeom>
+          <a:solidFill>
+            <a:schemeClr val="accent4">
+              <a:lumMod val="40000"/>
+              <a:lumOff val="60000"/>
+            </a:schemeClr>
+          </a:solidFill>
+        </p:spPr>
+        <p:style>
+          <a:lnRef idx="2">
+            <a:schemeClr val="accent1">
+              <a:shade val="50000"/>
+            </a:schemeClr>
+          </a:lnRef>
+          <a:fillRef idx="1">
+            <a:schemeClr val="accent1"/>
+          </a:fillRef>
+          <a:effectRef idx="0">
+            <a:schemeClr val="accent1"/>
+          </a:effectRef>
+          <a:fontRef idx="minor">
+            <a:schemeClr val="lt1"/>
+          </a:fontRef>
+        </p:style>
+        <p:txBody>
+          <a:bodyPr rtlCol="0" anchor="ctr"/>
+          <a:lstStyle/>
+          <a:p>
+            <a:pPr algn="ctr"/>
+            <a:r>
+              <a:rPr lang="pt-BR" sz="3200" b="1" dirty="0" smtClean="0">
+                <a:solidFill>
+                  <a:schemeClr val="tx1"/>
+                </a:solidFill>
+              </a:rPr>
+              <a:t>Símbolos e Cores intuitivos</a:t>
+            </a:r>
+            <a:endParaRPr lang="pt-BR" sz="3200" b="1" dirty="0">
+              <a:solidFill>
+                <a:schemeClr val="tx1"/>
+              </a:solidFill>
+            </a:endParaRPr>
+          </a:p>
+        </p:txBody>
+      </p:sp>
+      <p:sp>
+        <p:nvSpPr>
+          <p:cNvPr id="17" name="Canto dobrado 16"/>
+          <p:cNvSpPr/>
+          <p:nvPr/>
+        </p:nvSpPr>
+        <p:spPr>
+          <a:xfrm>
+            <a:off x="2946687" y="5679812"/>
+            <a:ext cx="2460353" cy="826605"/>
+          </a:xfrm>
+          <a:prstGeom prst="foldedCorner">
+            <a:avLst/>
+          </a:prstGeom>
+          <a:solidFill>
+            <a:schemeClr val="accent4">
+              <a:lumMod val="40000"/>
+              <a:lumOff val="60000"/>
+            </a:schemeClr>
+          </a:solidFill>
+        </p:spPr>
+        <p:style>
+          <a:lnRef idx="2">
+            <a:schemeClr val="accent1">
+              <a:shade val="50000"/>
+            </a:schemeClr>
+          </a:lnRef>
+          <a:fillRef idx="1">
+            <a:schemeClr val="accent1"/>
+          </a:fillRef>
+          <a:effectRef idx="0">
+            <a:schemeClr val="accent1"/>
+          </a:effectRef>
+          <a:fontRef idx="minor">
+            <a:schemeClr val="lt1"/>
+          </a:fontRef>
+        </p:style>
+        <p:txBody>
+          <a:bodyPr rtlCol="0" anchor="ctr"/>
+          <a:lstStyle/>
+          <a:p>
+            <a:pPr algn="ctr"/>
+            <a:r>
+              <a:rPr lang="pt-BR" sz="3200" b="1" dirty="0" smtClean="0">
+                <a:solidFill>
+                  <a:schemeClr val="tx1"/>
+                </a:solidFill>
+              </a:rPr>
+              <a:t>Simplicidade</a:t>
             </a:r>
             <a:endParaRPr lang="pt-BR" sz="3200" b="1" dirty="0">
               <a:solidFill>
@@ -4213,7 +4271,7 @@
   <a:extraClrSchemeLst/>
   <a:extLst>
     <a:ext uri="{05A4C25C-085E-4340-85A3-A5531E510DB2}">
-      <thm15:themeFamily xmlns:thm15="http://schemas.microsoft.com/office/thememl/2012/main" xmlns="" name="Office Theme" id="{62F939B6-93AF-4DB8-9C6B-D6C7DFDC589F}" vid="{4A3C46E8-61CC-4603-A589-7422A47A8E4A}"/>
+      <thm15:themeFamily xmlns="" xmlns:thm15="http://schemas.microsoft.com/office/thememl/2012/main" name="Office Theme" id="{62F939B6-93AF-4DB8-9C6B-D6C7DFDC589F}" vid="{4A3C46E8-61CC-4603-A589-7422A47A8E4A}"/>
     </a:ext>
   </a:extLst>
 </a:theme>
